--- a/gfx/toscafy-logo.pptx
+++ b/gfx/toscafy-logo.pptx
@@ -243,7 +243,7 @@
           <a:p>
             <a:fld id="{5FC0ABF6-185B-BF47-B1A2-30A4DE9D30C8}" type="datetimeFigureOut">
               <a:rPr lang="en-US" smtClean="0"/>
-              <a:t>7/12/16</a:t>
+              <a:t>7/17/16</a:t>
             </a:fld>
             <a:endParaRPr lang="en-US"/>
           </a:p>
@@ -413,7 +413,7 @@
           <a:p>
             <a:fld id="{5FC0ABF6-185B-BF47-B1A2-30A4DE9D30C8}" type="datetimeFigureOut">
               <a:rPr lang="en-US" smtClean="0"/>
-              <a:t>7/12/16</a:t>
+              <a:t>7/17/16</a:t>
             </a:fld>
             <a:endParaRPr lang="en-US"/>
           </a:p>
@@ -593,7 +593,7 @@
           <a:p>
             <a:fld id="{5FC0ABF6-185B-BF47-B1A2-30A4DE9D30C8}" type="datetimeFigureOut">
               <a:rPr lang="en-US" smtClean="0"/>
-              <a:t>7/12/16</a:t>
+              <a:t>7/17/16</a:t>
             </a:fld>
             <a:endParaRPr lang="en-US"/>
           </a:p>
@@ -763,7 +763,7 @@
           <a:p>
             <a:fld id="{5FC0ABF6-185B-BF47-B1A2-30A4DE9D30C8}" type="datetimeFigureOut">
               <a:rPr lang="en-US" smtClean="0"/>
-              <a:t>7/12/16</a:t>
+              <a:t>7/17/16</a:t>
             </a:fld>
             <a:endParaRPr lang="en-US"/>
           </a:p>
@@ -1007,7 +1007,7 @@
           <a:p>
             <a:fld id="{5FC0ABF6-185B-BF47-B1A2-30A4DE9D30C8}" type="datetimeFigureOut">
               <a:rPr lang="en-US" smtClean="0"/>
-              <a:t>7/12/16</a:t>
+              <a:t>7/17/16</a:t>
             </a:fld>
             <a:endParaRPr lang="en-US"/>
           </a:p>
@@ -1239,7 +1239,7 @@
           <a:p>
             <a:fld id="{5FC0ABF6-185B-BF47-B1A2-30A4DE9D30C8}" type="datetimeFigureOut">
               <a:rPr lang="en-US" smtClean="0"/>
-              <a:t>7/12/16</a:t>
+              <a:t>7/17/16</a:t>
             </a:fld>
             <a:endParaRPr lang="en-US"/>
           </a:p>
@@ -1606,7 +1606,7 @@
           <a:p>
             <a:fld id="{5FC0ABF6-185B-BF47-B1A2-30A4DE9D30C8}" type="datetimeFigureOut">
               <a:rPr lang="en-US" smtClean="0"/>
-              <a:t>7/12/16</a:t>
+              <a:t>7/17/16</a:t>
             </a:fld>
             <a:endParaRPr lang="en-US"/>
           </a:p>
@@ -1724,7 +1724,7 @@
           <a:p>
             <a:fld id="{5FC0ABF6-185B-BF47-B1A2-30A4DE9D30C8}" type="datetimeFigureOut">
               <a:rPr lang="en-US" smtClean="0"/>
-              <a:t>7/12/16</a:t>
+              <a:t>7/17/16</a:t>
             </a:fld>
             <a:endParaRPr lang="en-US"/>
           </a:p>
@@ -1819,7 +1819,7 @@
           <a:p>
             <a:fld id="{5FC0ABF6-185B-BF47-B1A2-30A4DE9D30C8}" type="datetimeFigureOut">
               <a:rPr lang="en-US" smtClean="0"/>
-              <a:t>7/12/16</a:t>
+              <a:t>7/17/16</a:t>
             </a:fld>
             <a:endParaRPr lang="en-US"/>
           </a:p>
@@ -2096,7 +2096,7 @@
           <a:p>
             <a:fld id="{5FC0ABF6-185B-BF47-B1A2-30A4DE9D30C8}" type="datetimeFigureOut">
               <a:rPr lang="en-US" smtClean="0"/>
-              <a:t>7/12/16</a:t>
+              <a:t>7/17/16</a:t>
             </a:fld>
             <a:endParaRPr lang="en-US"/>
           </a:p>
@@ -2353,7 +2353,7 @@
           <a:p>
             <a:fld id="{5FC0ABF6-185B-BF47-B1A2-30A4DE9D30C8}" type="datetimeFigureOut">
               <a:rPr lang="en-US" smtClean="0"/>
-              <a:t>7/12/16</a:t>
+              <a:t>7/17/16</a:t>
             </a:fld>
             <a:endParaRPr lang="en-US"/>
           </a:p>
@@ -2566,7 +2566,7 @@
           <a:p>
             <a:fld id="{5FC0ABF6-185B-BF47-B1A2-30A4DE9D30C8}" type="datetimeFigureOut">
               <a:rPr lang="en-US" smtClean="0"/>
-              <a:t>7/12/16</a:t>
+              <a:t>7/17/16</a:t>
             </a:fld>
             <a:endParaRPr lang="en-US"/>
           </a:p>
@@ -3014,14 +3014,14 @@
           <a:p>
             <a:pPr algn="ctr"/>
             <a:r>
-              <a:rPr lang="en-US" sz="7600" b="1" dirty="0" err="1" smtClean="0">
+              <a:rPr lang="en-US" sz="9000" b="1" dirty="0" err="1" smtClean="0">
                 <a:latin typeface="Roboto Condensed" charset="0"/>
                 <a:ea typeface="Roboto Condensed" charset="0"/>
                 <a:cs typeface="Roboto Condensed" charset="0"/>
               </a:rPr>
-              <a:t>TOSCAfy</a:t>
-            </a:r>
-            <a:endParaRPr lang="en-US" sz="7600" b="1" dirty="0">
+              <a:t>toscafy</a:t>
+            </a:r>
+            <a:endParaRPr lang="en-US" sz="9000" b="1" dirty="0">
               <a:latin typeface="Roboto Condensed" charset="0"/>
               <a:ea typeface="Roboto Condensed" charset="0"/>
               <a:cs typeface="Roboto Condensed" charset="0"/>
